--- a/presentation.PDF.pptx
+++ b/presentation.PDF.pptx
@@ -501,7 +501,7 @@
           <a:p>
             <a:fld id="{638EED77-6FB3-4F7C-AE99-F83037EF534D}" type="datetimeFigureOut">
               <a:rPr lang="en-US" smtClean="0"/>
-              <a:t>9/26/2024</a:t>
+              <a:t>2/10/2025</a:t>
             </a:fld>
             <a:endParaRPr lang="en-US"/>
           </a:p>
@@ -767,7 +767,7 @@
           <a:p>
             <a:fld id="{638EED77-6FB3-4F7C-AE99-F83037EF534D}" type="datetimeFigureOut">
               <a:rPr lang="en-US" smtClean="0"/>
-              <a:t>9/26/2024</a:t>
+              <a:t>2/10/2025</a:t>
             </a:fld>
             <a:endParaRPr lang="en-US"/>
           </a:p>
@@ -1017,7 +1017,7 @@
           <a:p>
             <a:fld id="{638EED77-6FB3-4F7C-AE99-F83037EF534D}" type="datetimeFigureOut">
               <a:rPr lang="en-US" smtClean="0"/>
-              <a:t>9/26/2024</a:t>
+              <a:t>2/10/2025</a:t>
             </a:fld>
             <a:endParaRPr lang="en-US"/>
           </a:p>
@@ -1325,7 +1325,7 @@
           <a:p>
             <a:fld id="{638EED77-6FB3-4F7C-AE99-F83037EF534D}" type="datetimeFigureOut">
               <a:rPr lang="en-US" smtClean="0"/>
-              <a:t>9/26/2024</a:t>
+              <a:t>2/10/2025</a:t>
             </a:fld>
             <a:endParaRPr lang="en-US"/>
           </a:p>
@@ -1643,7 +1643,7 @@
           <a:p>
             <a:fld id="{638EED77-6FB3-4F7C-AE99-F83037EF534D}" type="datetimeFigureOut">
               <a:rPr lang="en-US" smtClean="0"/>
-              <a:t>9/26/2024</a:t>
+              <a:t>2/10/2025</a:t>
             </a:fld>
             <a:endParaRPr lang="en-US"/>
           </a:p>
@@ -1945,7 +1945,7 @@
           <a:p>
             <a:fld id="{638EED77-6FB3-4F7C-AE99-F83037EF534D}" type="datetimeFigureOut">
               <a:rPr lang="en-US" smtClean="0"/>
-              <a:t>9/26/2024</a:t>
+              <a:t>2/10/2025</a:t>
             </a:fld>
             <a:endParaRPr lang="en-US"/>
           </a:p>
@@ -2312,7 +2312,7 @@
           <a:p>
             <a:fld id="{638EED77-6FB3-4F7C-AE99-F83037EF534D}" type="datetimeFigureOut">
               <a:rPr lang="en-US" smtClean="0"/>
-              <a:t>9/26/2024</a:t>
+              <a:t>2/10/2025</a:t>
             </a:fld>
             <a:endParaRPr lang="en-US"/>
           </a:p>
@@ -2498,7 +2498,7 @@
           <a:p>
             <a:fld id="{638EED77-6FB3-4F7C-AE99-F83037EF534D}" type="datetimeFigureOut">
               <a:rPr lang="en-US" smtClean="0"/>
-              <a:t>9/26/2024</a:t>
+              <a:t>2/10/2025</a:t>
             </a:fld>
             <a:endParaRPr lang="en-US"/>
           </a:p>
@@ -2684,7 +2684,7 @@
           <a:p>
             <a:fld id="{638EED77-6FB3-4F7C-AE99-F83037EF534D}" type="datetimeFigureOut">
               <a:rPr lang="en-US" smtClean="0"/>
-              <a:t>9/26/2024</a:t>
+              <a:t>2/10/2025</a:t>
             </a:fld>
             <a:endParaRPr lang="en-US"/>
           </a:p>
@@ -2864,7 +2864,7 @@
           <a:p>
             <a:fld id="{638EED77-6FB3-4F7C-AE99-F83037EF534D}" type="datetimeFigureOut">
               <a:rPr lang="en-US" smtClean="0"/>
-              <a:t>9/26/2024</a:t>
+              <a:t>2/10/2025</a:t>
             </a:fld>
             <a:endParaRPr lang="en-US"/>
           </a:p>
@@ -3114,7 +3114,7 @@
           <a:p>
             <a:fld id="{638EED77-6FB3-4F7C-AE99-F83037EF534D}" type="datetimeFigureOut">
               <a:rPr lang="en-US" smtClean="0"/>
-              <a:t>9/26/2024</a:t>
+              <a:t>2/10/2025</a:t>
             </a:fld>
             <a:endParaRPr lang="en-US"/>
           </a:p>
@@ -3361,7 +3361,7 @@
           <a:p>
             <a:fld id="{638EED77-6FB3-4F7C-AE99-F83037EF534D}" type="datetimeFigureOut">
               <a:rPr lang="en-US" smtClean="0"/>
-              <a:t>9/26/2024</a:t>
+              <a:t>2/10/2025</a:t>
             </a:fld>
             <a:endParaRPr lang="en-US"/>
           </a:p>
@@ -3750,7 +3750,7 @@
           <a:p>
             <a:fld id="{638EED77-6FB3-4F7C-AE99-F83037EF534D}" type="datetimeFigureOut">
               <a:rPr lang="en-US" smtClean="0"/>
-              <a:t>9/26/2024</a:t>
+              <a:t>2/10/2025</a:t>
             </a:fld>
             <a:endParaRPr lang="en-US"/>
           </a:p>
@@ -3879,7 +3879,7 @@
           <a:p>
             <a:fld id="{638EED77-6FB3-4F7C-AE99-F83037EF534D}" type="datetimeFigureOut">
               <a:rPr lang="en-US" smtClean="0"/>
-              <a:t>9/26/2024</a:t>
+              <a:t>2/10/2025</a:t>
             </a:fld>
             <a:endParaRPr lang="en-US"/>
           </a:p>
@@ -3974,7 +3974,7 @@
           <a:p>
             <a:fld id="{638EED77-6FB3-4F7C-AE99-F83037EF534D}" type="datetimeFigureOut">
               <a:rPr lang="en-US" smtClean="0"/>
-              <a:t>9/26/2024</a:t>
+              <a:t>2/10/2025</a:t>
             </a:fld>
             <a:endParaRPr lang="en-US"/>
           </a:p>
@@ -4229,7 +4229,7 @@
           <a:p>
             <a:fld id="{638EED77-6FB3-4F7C-AE99-F83037EF534D}" type="datetimeFigureOut">
               <a:rPr lang="en-US" smtClean="0"/>
-              <a:t>9/26/2024</a:t>
+              <a:t>2/10/2025</a:t>
             </a:fld>
             <a:endParaRPr lang="en-US"/>
           </a:p>
@@ -4512,7 +4512,7 @@
           <a:p>
             <a:fld id="{638EED77-6FB3-4F7C-AE99-F83037EF534D}" type="datetimeFigureOut">
               <a:rPr lang="en-US" smtClean="0"/>
-              <a:t>9/26/2024</a:t>
+              <a:t>2/10/2025</a:t>
             </a:fld>
             <a:endParaRPr lang="en-US"/>
           </a:p>
@@ -4923,7 +4923,7 @@
           <a:p>
             <a:fld id="{638EED77-6FB3-4F7C-AE99-F83037EF534D}" type="datetimeFigureOut">
               <a:rPr lang="en-US" smtClean="0"/>
-              <a:t>9/26/2024</a:t>
+              <a:t>2/10/2025</a:t>
             </a:fld>
             <a:endParaRPr lang="en-US"/>
           </a:p>
@@ -5874,12 +5874,12 @@
         <p:spPr>
           <a:xfrm>
             <a:off x="1143000" y="1934937"/>
-            <a:ext cx="6858000" cy="2155371"/>
+            <a:ext cx="6858000" cy="3751760"/>
           </a:xfrm>
         </p:spPr>
         <p:txBody>
           <a:bodyPr>
-            <a:normAutofit fontScale="92500" lnSpcReduction="10000"/>
+            <a:normAutofit/>
           </a:bodyPr>
           <a:lstStyle/>
           <a:p>
@@ -5902,8 +5902,13 @@
           <a:p>
             <a:r>
               <a:rPr lang="en-US" b="1" dirty="0" smtClean="0"/>
-              <a:t>I identified the target variable and properties of different variables and also got basic information from the dataset</a:t>
-            </a:r>
+              <a:t>I identified the target variable and properties of different variables and also got basic information from the </a:t>
+            </a:r>
+            <a:r>
+              <a:rPr lang="en-US" b="1" dirty="0" smtClean="0"/>
+              <a:t>dataset.</a:t>
+            </a:r>
+            <a:endParaRPr lang="en-US" b="1" dirty="0" smtClean="0"/>
           </a:p>
           <a:p>
             <a:endParaRPr lang="en-US" dirty="0"/>
@@ -6577,21 +6582,113 @@
           <a:p>
             <a:r>
               <a:rPr lang="en-US" dirty="0" smtClean="0"/>
-              <a:t>1. I would highly advise the investors to focus on the right engine types. For loads and heavy machines they should consider getting those more than one engine.</a:t>
-            </a:r>
-          </a:p>
-          <a:p>
+              <a:t>1.Purchase </a:t>
+            </a:r>
+            <a:r>
+              <a:rPr lang="en-US" dirty="0"/>
+              <a:t>safer aircraft categories and </a:t>
+            </a:r>
             <a:r>
               <a:rPr lang="en-US" dirty="0" smtClean="0"/>
-              <a:t>2. I would also advise the investors to get pilots who are very familiar with the phases of flight to avoid accidents.</a:t>
-            </a:r>
-          </a:p>
-          <a:p>
+              <a:t>makes </a:t>
+            </a:r>
+            <a:r>
+              <a:rPr lang="en-US" dirty="0"/>
+              <a:t>- Invest in aircraft models with the lowest accident rates and the best safety records.   </a:t>
+            </a:r>
             <a:r>
               <a:rPr lang="en-US" dirty="0" smtClean="0"/>
-              <a:t>3.Also I would recommend the new investors to invest in getting aircraft models such as 150M and 180 since they have caused the least number of accidents thus making them safe.</a:t>
-            </a:r>
-            <a:endParaRPr lang="en-US" dirty="0"/>
+              <a:t> </a:t>
+            </a:r>
+            <a:r>
+              <a:rPr lang="en-US" dirty="0"/>
+              <a:t>Avoid purchasing models with historically high severe accident rates</a:t>
+            </a:r>
+            <a:r>
+              <a:rPr lang="en-US" dirty="0" smtClean="0"/>
+              <a:t>.</a:t>
+            </a:r>
+          </a:p>
+          <a:p>
+            <a:r>
+              <a:rPr lang="en-US" dirty="0" smtClean="0"/>
+              <a:t>2</a:t>
+            </a:r>
+            <a:r>
+              <a:rPr lang="en-US" dirty="0"/>
+              <a:t>. </a:t>
+            </a:r>
+            <a:r>
+              <a:rPr lang="en-US" dirty="0" smtClean="0"/>
+              <a:t>Avoid </a:t>
+            </a:r>
+            <a:r>
+              <a:rPr lang="en-US" dirty="0"/>
+              <a:t>high-risk locations for </a:t>
+            </a:r>
+            <a:r>
+              <a:rPr lang="en-US" dirty="0" smtClean="0"/>
+              <a:t>operations- </a:t>
+            </a:r>
+            <a:r>
+              <a:rPr lang="en-US" dirty="0"/>
+              <a:t>Prioritize setting up operations in locations with lower accident frequencies.   </a:t>
+            </a:r>
+            <a:r>
+              <a:rPr lang="en-US" dirty="0" smtClean="0"/>
+              <a:t>Implement </a:t>
+            </a:r>
+            <a:r>
+              <a:rPr lang="en-US" dirty="0"/>
+              <a:t>additional safety protocols if operating in </a:t>
+            </a:r>
+            <a:r>
+              <a:rPr lang="en-US" dirty="0" err="1" smtClean="0"/>
+              <a:t>highrisk</a:t>
+            </a:r>
+            <a:r>
+              <a:rPr lang="en-US" dirty="0" smtClean="0"/>
+              <a:t> </a:t>
+            </a:r>
+            <a:r>
+              <a:rPr lang="en-US" dirty="0"/>
+              <a:t>areas</a:t>
+            </a:r>
+            <a:r>
+              <a:rPr lang="en-US" dirty="0" smtClean="0"/>
+              <a:t>.</a:t>
+            </a:r>
+          </a:p>
+          <a:p>
+            <a:r>
+              <a:rPr lang="en-US" dirty="0" smtClean="0"/>
+              <a:t>3.Enhance </a:t>
+            </a:r>
+            <a:r>
+              <a:rPr lang="en-US" dirty="0"/>
+              <a:t>safety measures during critical flight </a:t>
+            </a:r>
+            <a:r>
+              <a:rPr lang="en-US" dirty="0" smtClean="0"/>
+              <a:t>phases - </a:t>
+            </a:r>
+            <a:r>
+              <a:rPr lang="en-US" dirty="0"/>
+              <a:t>Focus on improved pilot training for takeoff and landing phases</a:t>
+            </a:r>
+            <a:r>
+              <a:rPr lang="en-US"/>
+              <a:t>. </a:t>
+            </a:r>
+            <a:r>
+              <a:rPr lang="en-US" smtClean="0"/>
+              <a:t>Invest </a:t>
+            </a:r>
+            <a:r>
+              <a:rPr lang="en-US" dirty="0"/>
+              <a:t>in better aircraft maintenance and monitoring systems to prevent mechanical failures.</a:t>
+            </a:r>
+            <a:endParaRPr lang="en-US" dirty="0" smtClean="0"/>
           </a:p>
         </p:txBody>
       </p:sp>
